--- a/20_謝凱翔.pptx
+++ b/20_謝凱翔.pptx
@@ -5,16 +5,18 @@
     <p:sldMasterId id="2147483651" r:id="rId1"/>
   </p:sldMasterIdLst>
   <p:notesMasterIdLst>
-    <p:notesMasterId r:id="rId6"/>
+    <p:notesMasterId r:id="rId8"/>
   </p:notesMasterIdLst>
   <p:handoutMasterIdLst>
-    <p:handoutMasterId r:id="rId7"/>
+    <p:handoutMasterId r:id="rId9"/>
   </p:handoutMasterIdLst>
   <p:sldIdLst>
     <p:sldId id="269" r:id="rId2"/>
-    <p:sldId id="267" r:id="rId3"/>
-    <p:sldId id="270" r:id="rId4"/>
-    <p:sldId id="260" r:id="rId5"/>
+    <p:sldId id="272" r:id="rId3"/>
+    <p:sldId id="271" r:id="rId4"/>
+    <p:sldId id="270" r:id="rId5"/>
+    <p:sldId id="273" r:id="rId6"/>
+    <p:sldId id="260" r:id="rId7"/>
   </p:sldIdLst>
   <p:sldSz cx="9906000" cy="6858000" type="A4"/>
   <p:notesSz cx="6807200" cy="9939338"/>
@@ -115,7 +117,7 @@
   </p:defaultTextStyle>
   <p:extLst>
     <p:ext uri="{EFAFB233-063F-42B5-8137-9DF3F51BA10A}">
-      <p15:sldGuideLst xmlns:p15="http://schemas.microsoft.com/office/powerpoint/2012/main">
+      <p15:sldGuideLst xmlns:p15="http://schemas.microsoft.com/office/powerpoint/2012/main" xmlns="">
         <p15:guide id="1" orient="horz" pos="2160">
           <p15:clr>
             <a:srgbClr val="A4A3A4"/>
@@ -214,7 +216,7 @@
           <a:p>
             <a:fld id="{05BF5AB9-3463-4E65-AFD3-5431B79ADFDC}" type="datetimeFigureOut">
               <a:rPr lang="zh-TW" altLang="en-US" smtClean="0"/>
-              <a:t>2019/5/6</a:t>
+              <a:t>2019/5/7</a:t>
             </a:fld>
             <a:endParaRPr lang="zh-TW" altLang="en-US"/>
           </a:p>
@@ -379,7 +381,7 @@
           <a:p>
             <a:fld id="{838FF680-7B6B-4655-B6A1-33A8AD0AE8B4}" type="datetimeFigureOut">
               <a:rPr lang="zh-TW" altLang="en-US" smtClean="0"/>
-              <a:t>2019/5/6</a:t>
+              <a:t>2019/5/7</a:t>
             </a:fld>
             <a:endParaRPr lang="zh-TW" altLang="en-US"/>
           </a:p>
@@ -844,7 +846,7 @@
           <p:cNvPr id="6" name="圖片 5">
             <a:extLst>
               <a:ext uri="{FF2B5EF4-FFF2-40B4-BE49-F238E27FC236}">
-                <a16:creationId xmlns:a16="http://schemas.microsoft.com/office/drawing/2014/main" id="{7ADAA765-7CBE-4287-9958-B2135FA616B4}"/>
+                <a16:creationId xmlns:a16="http://schemas.microsoft.com/office/drawing/2014/main" xmlns="" id="{7ADAA765-7CBE-4287-9958-B2135FA616B4}"/>
               </a:ext>
             </a:extLst>
           </p:cNvPr>
@@ -1023,7 +1025,7 @@
           <p:cNvPr id="5" name="圖片 4">
             <a:extLst>
               <a:ext uri="{FF2B5EF4-FFF2-40B4-BE49-F238E27FC236}">
-                <a16:creationId xmlns:a16="http://schemas.microsoft.com/office/drawing/2014/main" id="{0DB397DE-8EF4-456E-8847-5875D8F56F9C}"/>
+                <a16:creationId xmlns:a16="http://schemas.microsoft.com/office/drawing/2014/main" xmlns="" id="{0DB397DE-8EF4-456E-8847-5875D8F56F9C}"/>
               </a:ext>
             </a:extLst>
           </p:cNvPr>
@@ -1217,7 +1219,7 @@
           <p:cNvPr id="5" name="圖片 4">
             <a:extLst>
               <a:ext uri="{FF2B5EF4-FFF2-40B4-BE49-F238E27FC236}">
-                <a16:creationId xmlns:a16="http://schemas.microsoft.com/office/drawing/2014/main" id="{EBCB1D1E-75D7-4275-85E1-56B9D874D9D0}"/>
+                <a16:creationId xmlns:a16="http://schemas.microsoft.com/office/drawing/2014/main" xmlns="" id="{EBCB1D1E-75D7-4275-85E1-56B9D874D9D0}"/>
               </a:ext>
             </a:extLst>
           </p:cNvPr>
@@ -1470,7 +1472,7 @@
           <p:cNvPr id="7" name="圖片 6">
             <a:extLst>
               <a:ext uri="{FF2B5EF4-FFF2-40B4-BE49-F238E27FC236}">
-                <a16:creationId xmlns:a16="http://schemas.microsoft.com/office/drawing/2014/main" id="{CEDDC39D-A98B-4741-8A94-AE4B16E0A9E0}"/>
+                <a16:creationId xmlns:a16="http://schemas.microsoft.com/office/drawing/2014/main" xmlns="" id="{CEDDC39D-A98B-4741-8A94-AE4B16E0A9E0}"/>
               </a:ext>
             </a:extLst>
           </p:cNvPr>
@@ -1663,7 +1665,7 @@
           <p:cNvPr id="5" name="圖片 4">
             <a:extLst>
               <a:ext uri="{FF2B5EF4-FFF2-40B4-BE49-F238E27FC236}">
-                <a16:creationId xmlns:a16="http://schemas.microsoft.com/office/drawing/2014/main" id="{9A17E3AF-D1A7-4AF3-9F06-8147444124AE}"/>
+                <a16:creationId xmlns:a16="http://schemas.microsoft.com/office/drawing/2014/main" xmlns="" id="{9A17E3AF-D1A7-4AF3-9F06-8147444124AE}"/>
               </a:ext>
             </a:extLst>
           </p:cNvPr>
@@ -1965,7 +1967,7 @@
           <p:cNvPr id="6" name="圖片 5">
             <a:extLst>
               <a:ext uri="{FF2B5EF4-FFF2-40B4-BE49-F238E27FC236}">
-                <a16:creationId xmlns:a16="http://schemas.microsoft.com/office/drawing/2014/main" id="{5EA5A9C2-B6E9-42CE-ADF6-D3502D48936A}"/>
+                <a16:creationId xmlns:a16="http://schemas.microsoft.com/office/drawing/2014/main" xmlns="" id="{5EA5A9C2-B6E9-42CE-ADF6-D3502D48936A}"/>
               </a:ext>
             </a:extLst>
           </p:cNvPr>
@@ -2396,7 +2398,7 @@
           <p:cNvPr id="8" name="圖片 7">
             <a:extLst>
               <a:ext uri="{FF2B5EF4-FFF2-40B4-BE49-F238E27FC236}">
-                <a16:creationId xmlns:a16="http://schemas.microsoft.com/office/drawing/2014/main" id="{B79AE5E7-27C2-41A3-AE42-6A5D49971781}"/>
+                <a16:creationId xmlns:a16="http://schemas.microsoft.com/office/drawing/2014/main" xmlns="" id="{B79AE5E7-27C2-41A3-AE42-6A5D49971781}"/>
               </a:ext>
             </a:extLst>
           </p:cNvPr>
@@ -2524,7 +2526,7 @@
           <p:cNvPr id="4" name="圖片 3">
             <a:extLst>
               <a:ext uri="{FF2B5EF4-FFF2-40B4-BE49-F238E27FC236}">
-                <a16:creationId xmlns:a16="http://schemas.microsoft.com/office/drawing/2014/main" id="{3CF9F1DD-4A78-44FB-8DDC-A95DB75CB6C9}"/>
+                <a16:creationId xmlns:a16="http://schemas.microsoft.com/office/drawing/2014/main" xmlns="" id="{3CF9F1DD-4A78-44FB-8DDC-A95DB75CB6C9}"/>
               </a:ext>
             </a:extLst>
           </p:cNvPr>
@@ -2630,7 +2632,7 @@
           <p:cNvPr id="3" name="圖片 2">
             <a:extLst>
               <a:ext uri="{FF2B5EF4-FFF2-40B4-BE49-F238E27FC236}">
-                <a16:creationId xmlns:a16="http://schemas.microsoft.com/office/drawing/2014/main" id="{0C8B4F24-4A88-4AF2-837F-152D0B3E6341}"/>
+                <a16:creationId xmlns:a16="http://schemas.microsoft.com/office/drawing/2014/main" xmlns="" id="{0C8B4F24-4A88-4AF2-837F-152D0B3E6341}"/>
               </a:ext>
             </a:extLst>
           </p:cNvPr>
@@ -2917,7 +2919,7 @@
           <p:cNvPr id="6" name="圖片 5">
             <a:extLst>
               <a:ext uri="{FF2B5EF4-FFF2-40B4-BE49-F238E27FC236}">
-                <a16:creationId xmlns:a16="http://schemas.microsoft.com/office/drawing/2014/main" id="{63543C3F-E37C-46EA-A460-90F9CA7ED4A6}"/>
+                <a16:creationId xmlns:a16="http://schemas.microsoft.com/office/drawing/2014/main" xmlns="" id="{63543C3F-E37C-46EA-A460-90F9CA7ED4A6}"/>
               </a:ext>
             </a:extLst>
           </p:cNvPr>
@@ -3183,7 +3185,7 @@
           <p:cNvPr id="6" name="圖片 5">
             <a:extLst>
               <a:ext uri="{FF2B5EF4-FFF2-40B4-BE49-F238E27FC236}">
-                <a16:creationId xmlns:a16="http://schemas.microsoft.com/office/drawing/2014/main" id="{5E8AE1C3-E3C4-494E-9BCC-BC03AB4E9B6E}"/>
+                <a16:creationId xmlns:a16="http://schemas.microsoft.com/office/drawing/2014/main" xmlns="" id="{5E8AE1C3-E3C4-494E-9BCC-BC03AB4E9B6E}"/>
               </a:ext>
             </a:extLst>
           </p:cNvPr>
@@ -3795,7 +3797,11 @@
           <a:bodyPr/>
           <a:lstStyle/>
           <a:p>
-            <a:endParaRPr lang="zh-TW" altLang="en-US"/>
+            <a:r>
+              <a:rPr lang="zh-TW" altLang="en-US" dirty="0" smtClean="0"/>
+              <a:t>湯老爺火鍋 </a:t>
+            </a:r>
+            <a:endParaRPr lang="zh-TW" altLang="en-US" dirty="0"/>
           </a:p>
         </p:txBody>
       </p:sp>
@@ -3972,6 +3978,90 @@
           </a:p>
         </p:txBody>
       </p:sp>
+      <p:sp>
+        <p:nvSpPr>
+          <p:cNvPr id="4" name="文字方塊 3"/>
+          <p:cNvSpPr txBox="1"/>
+          <p:nvPr/>
+        </p:nvSpPr>
+        <p:spPr>
+          <a:xfrm>
+            <a:off x="3699281" y="4335252"/>
+            <a:ext cx="3024336" cy="430887"/>
+          </a:xfrm>
+          <a:prstGeom prst="rect">
+            <a:avLst/>
+          </a:prstGeom>
+          <a:noFill/>
+        </p:spPr>
+        <p:txBody>
+          <a:bodyPr wrap="square" rtlCol="0">
+            <a:spAutoFit/>
+          </a:bodyPr>
+          <a:lstStyle/>
+          <a:p>
+            <a:r>
+              <a:rPr lang="zh-TW" altLang="en-US" sz="2200" dirty="0" smtClean="0">
+                <a:solidFill>
+                  <a:srgbClr val="FFFF00"/>
+                </a:solidFill>
+              </a:rPr>
+              <a:t>指導老師：錢達智</a:t>
+            </a:r>
+            <a:endParaRPr lang="zh-TW" altLang="en-US" sz="2200" dirty="0" smtClean="0">
+              <a:solidFill>
+                <a:srgbClr val="FFFF00"/>
+              </a:solidFill>
+            </a:endParaRPr>
+          </a:p>
+        </p:txBody>
+      </p:sp>
+      <p:sp>
+        <p:nvSpPr>
+          <p:cNvPr id="5" name="文字方塊 4"/>
+          <p:cNvSpPr txBox="1"/>
+          <p:nvPr/>
+        </p:nvSpPr>
+        <p:spPr>
+          <a:xfrm>
+            <a:off x="3699281" y="4898008"/>
+            <a:ext cx="3024336" cy="369332"/>
+          </a:xfrm>
+          <a:prstGeom prst="rect">
+            <a:avLst/>
+          </a:prstGeom>
+          <a:noFill/>
+        </p:spPr>
+        <p:txBody>
+          <a:bodyPr wrap="square" rtlCol="0">
+            <a:spAutoFit/>
+          </a:bodyPr>
+          <a:lstStyle/>
+          <a:p>
+            <a:r>
+              <a:rPr lang="zh-TW" altLang="en-US" dirty="0">
+                <a:solidFill>
+                  <a:srgbClr val="FFFF00"/>
+                </a:solidFill>
+              </a:rPr>
+              <a:t>學員</a:t>
+            </a:r>
+            <a:r>
+              <a:rPr lang="zh-TW" altLang="en-US" dirty="0" smtClean="0">
+                <a:solidFill>
+                  <a:srgbClr val="FFFF00"/>
+                </a:solidFill>
+              </a:rPr>
+              <a:t>：謝凱翔</a:t>
+            </a:r>
+            <a:endParaRPr lang="zh-TW" altLang="en-US" dirty="0" smtClean="0">
+              <a:solidFill>
+                <a:srgbClr val="FFFF00"/>
+              </a:solidFill>
+            </a:endParaRPr>
+          </a:p>
+        </p:txBody>
+      </p:sp>
     </p:spTree>
     <p:extLst>
       <p:ext uri="{BB962C8B-B14F-4D97-AF65-F5344CB8AC3E}">
@@ -4004,12 +4094,12 @@
       </p:grpSpPr>
       <p:sp>
         <p:nvSpPr>
-          <p:cNvPr id="2" name="標題 1"/>
-          <p:cNvSpPr>
-            <a:spLocks noGrp="1"/>
-          </p:cNvSpPr>
-          <p:nvPr>
-            <p:ph type="ctrTitle"/>
+          <p:cNvPr id="7" name="標題 6"/>
+          <p:cNvSpPr>
+            <a:spLocks noGrp="1"/>
+          </p:cNvSpPr>
+          <p:nvPr>
+            <p:ph type="title"/>
           </p:nvPr>
         </p:nvSpPr>
         <p:spPr/>
@@ -4017,29 +4107,43 @@
           <a:bodyPr/>
           <a:lstStyle/>
           <a:p>
-            <a:endParaRPr lang="zh-TW" altLang="en-US"/>
-          </a:p>
-        </p:txBody>
-      </p:sp>
-      <p:sp>
-        <p:nvSpPr>
-          <p:cNvPr id="3" name="副標題 2"/>
-          <p:cNvSpPr>
-            <a:spLocks noGrp="1"/>
-          </p:cNvSpPr>
-          <p:nvPr>
-            <p:ph type="subTitle" idx="1"/>
-          </p:nvPr>
-        </p:nvSpPr>
-        <p:spPr/>
-        <p:txBody>
-          <a:bodyPr/>
-          <a:lstStyle/>
-          <a:p>
+            <a:r>
+              <a:rPr lang="zh-TW" altLang="en-US" dirty="0" smtClean="0"/>
+              <a:t>簡介</a:t>
+            </a:r>
             <a:endParaRPr lang="zh-TW" altLang="en-US" dirty="0"/>
           </a:p>
         </p:txBody>
       </p:sp>
+      <p:pic>
+        <p:nvPicPr>
+          <p:cNvPr id="2" name="內容版面配置區 1"/>
+          <p:cNvPicPr>
+            <a:picLocks noGrp="1" noChangeAspect="1"/>
+          </p:cNvPicPr>
+          <p:nvPr>
+            <p:ph idx="1"/>
+          </p:nvPr>
+        </p:nvPicPr>
+        <p:blipFill>
+          <a:blip r:embed="rId2">
+            <a:extLst>
+              <a:ext uri="{28A0092B-C50C-407E-A947-70E740481C1C}">
+                <a14:useLocalDpi xmlns:a14="http://schemas.microsoft.com/office/drawing/2010/main" val="0"/>
+              </a:ext>
+            </a:extLst>
+          </a:blip>
+          <a:stretch>
+            <a:fillRect/>
+          </a:stretch>
+        </p:blipFill>
+        <p:spPr>
+          <a:xfrm>
+            <a:off x="128464" y="908720"/>
+            <a:ext cx="9575924" cy="5475290"/>
+          </a:xfrm>
+        </p:spPr>
+      </p:pic>
       <p:sp>
         <p:nvSpPr>
           <p:cNvPr id="4" name="投影片編號版面配置區 3"/>
@@ -4067,7 +4171,7 @@
     </p:spTree>
     <p:extLst>
       <p:ext uri="{BB962C8B-B14F-4D97-AF65-F5344CB8AC3E}">
-        <p14:creationId xmlns:p14="http://schemas.microsoft.com/office/powerpoint/2010/main" val="4276024362"/>
+        <p14:creationId xmlns:p14="http://schemas.microsoft.com/office/powerpoint/2010/main" val="1262627947"/>
       </p:ext>
     </p:extLst>
   </p:cSld>
@@ -4109,29 +4213,43 @@
           <a:bodyPr/>
           <a:lstStyle/>
           <a:p>
-            <a:endParaRPr lang="zh-TW" altLang="en-US"/>
-          </a:p>
-        </p:txBody>
-      </p:sp>
-      <p:sp>
-        <p:nvSpPr>
-          <p:cNvPr id="3" name="內容版面配置區 2"/>
-          <p:cNvSpPr>
-            <a:spLocks noGrp="1"/>
-          </p:cNvSpPr>
+            <a:r>
+              <a:rPr lang="zh-TW" altLang="en-US" dirty="0" smtClean="0"/>
+              <a:t>使用技術</a:t>
+            </a:r>
+            <a:endParaRPr lang="zh-TW" altLang="en-US" dirty="0"/>
+          </a:p>
+        </p:txBody>
+      </p:sp>
+      <p:pic>
+        <p:nvPicPr>
+          <p:cNvPr id="2" name="內容版面配置區 1"/>
+          <p:cNvPicPr>
+            <a:picLocks noGrp="1" noChangeAspect="1"/>
+          </p:cNvPicPr>
           <p:nvPr>
             <p:ph idx="1"/>
           </p:nvPr>
-        </p:nvSpPr>
-        <p:spPr/>
-        <p:txBody>
-          <a:bodyPr/>
-          <a:lstStyle/>
-          <a:p>
-            <a:endParaRPr lang="zh-TW" altLang="en-US" dirty="0"/>
-          </a:p>
-        </p:txBody>
-      </p:sp>
+        </p:nvPicPr>
+        <p:blipFill>
+          <a:blip r:embed="rId2">
+            <a:extLst>
+              <a:ext uri="{28A0092B-C50C-407E-A947-70E740481C1C}">
+                <a14:useLocalDpi xmlns:a14="http://schemas.microsoft.com/office/drawing/2010/main" val="0"/>
+              </a:ext>
+            </a:extLst>
+          </a:blip>
+          <a:stretch>
+            <a:fillRect/>
+          </a:stretch>
+        </p:blipFill>
+        <p:spPr>
+          <a:xfrm>
+            <a:off x="200472" y="1052736"/>
+            <a:ext cx="9527968" cy="5112568"/>
+          </a:xfrm>
+        </p:spPr>
+      </p:pic>
       <p:sp>
         <p:nvSpPr>
           <p:cNvPr id="4" name="投影片編號版面配置區 3"/>
@@ -4152,6 +4270,205 @@
               <a:pPr/>
               <a:t>2</a:t>
             </a:fld>
+            <a:endParaRPr lang="zh-TW" altLang="en-US"/>
+          </a:p>
+        </p:txBody>
+      </p:sp>
+    </p:spTree>
+    <p:extLst>
+      <p:ext uri="{BB962C8B-B14F-4D97-AF65-F5344CB8AC3E}">
+        <p14:creationId xmlns:p14="http://schemas.microsoft.com/office/powerpoint/2010/main" val="2723056231"/>
+      </p:ext>
+    </p:extLst>
+  </p:cSld>
+  <p:clrMapOvr>
+    <a:masterClrMapping/>
+  </p:clrMapOvr>
+</p:sld>
+</file>
+
+<file path=ppt/slides/slide4.xml><?xml version="1.0" encoding="utf-8"?>
+<p:sld xmlns:a="http://schemas.openxmlformats.org/drawingml/2006/main" xmlns:r="http://schemas.openxmlformats.org/officeDocument/2006/relationships" xmlns:p="http://schemas.openxmlformats.org/presentationml/2006/main">
+  <p:cSld>
+    <p:spTree>
+      <p:nvGrpSpPr>
+        <p:cNvPr id="1" name=""/>
+        <p:cNvGrpSpPr/>
+        <p:nvPr/>
+      </p:nvGrpSpPr>
+      <p:grpSpPr>
+        <a:xfrm>
+          <a:off x="0" y="0"/>
+          <a:ext cx="0" cy="0"/>
+          <a:chOff x="0" y="0"/>
+          <a:chExt cx="0" cy="0"/>
+        </a:xfrm>
+      </p:grpSpPr>
+      <p:sp>
+        <p:nvSpPr>
+          <p:cNvPr id="7" name="標題 6"/>
+          <p:cNvSpPr>
+            <a:spLocks noGrp="1"/>
+          </p:cNvSpPr>
+          <p:nvPr>
+            <p:ph type="title"/>
+          </p:nvPr>
+        </p:nvSpPr>
+        <p:spPr>
+          <a:xfrm>
+            <a:off x="416496" y="116632"/>
+            <a:ext cx="9138220" cy="548680"/>
+          </a:xfrm>
+        </p:spPr>
+        <p:txBody>
+          <a:bodyPr/>
+          <a:lstStyle/>
+          <a:p>
+            <a:r>
+              <a:rPr lang="zh-TW" altLang="en-US" dirty="0" smtClean="0"/>
+              <a:t>網站功能</a:t>
+            </a:r>
+            <a:endParaRPr lang="zh-TW" altLang="en-US" dirty="0"/>
+          </a:p>
+        </p:txBody>
+      </p:sp>
+      <p:sp>
+        <p:nvSpPr>
+          <p:cNvPr id="4" name="投影片編號版面配置區 3"/>
+          <p:cNvSpPr>
+            <a:spLocks noGrp="1"/>
+          </p:cNvSpPr>
+          <p:nvPr>
+            <p:ph type="sldNum" sz="quarter" idx="4"/>
+          </p:nvPr>
+        </p:nvSpPr>
+        <p:spPr/>
+        <p:txBody>
+          <a:bodyPr/>
+          <a:lstStyle/>
+          <a:p>
+            <a:fld id="{8F4EACC7-37E3-43A5-A5FB-BEB9CE95D266}" type="slidenum">
+              <a:rPr lang="zh-TW" altLang="en-US" smtClean="0"/>
+              <a:pPr/>
+              <a:t>3</a:t>
+            </a:fld>
+            <a:endParaRPr lang="zh-TW" altLang="en-US"/>
+          </a:p>
+        </p:txBody>
+      </p:sp>
+      <p:pic>
+        <p:nvPicPr>
+          <p:cNvPr id="6" name="內容版面配置區 5"/>
+          <p:cNvPicPr>
+            <a:picLocks noGrp="1" noChangeAspect="1"/>
+          </p:cNvPicPr>
+          <p:nvPr>
+            <p:ph idx="1"/>
+          </p:nvPr>
+        </p:nvPicPr>
+        <p:blipFill>
+          <a:blip r:embed="rId2">
+            <a:extLst>
+              <a:ext uri="{28A0092B-C50C-407E-A947-70E740481C1C}">
+                <a14:useLocalDpi xmlns:a14="http://schemas.microsoft.com/office/drawing/2010/main" val="0"/>
+              </a:ext>
+            </a:extLst>
+          </a:blip>
+          <a:stretch>
+            <a:fillRect/>
+          </a:stretch>
+        </p:blipFill>
+        <p:spPr>
+          <a:xfrm>
+            <a:off x="128464" y="1052736"/>
+            <a:ext cx="9552967" cy="4968552"/>
+          </a:xfrm>
+        </p:spPr>
+      </p:pic>
+      <p:sp>
+        <p:nvSpPr>
+          <p:cNvPr id="8" name="矩形 7"/>
+          <p:cNvSpPr/>
+          <p:nvPr/>
+        </p:nvSpPr>
+        <p:spPr>
+          <a:xfrm>
+            <a:off x="2000672" y="1412776"/>
+            <a:ext cx="1872208" cy="792088"/>
+          </a:xfrm>
+          <a:prstGeom prst="rect">
+            <a:avLst/>
+          </a:prstGeom>
+          <a:noFill/>
+          <a:ln w="25400">
+            <a:solidFill>
+              <a:srgbClr val="FF0000"/>
+            </a:solidFill>
+          </a:ln>
+        </p:spPr>
+        <p:style>
+          <a:lnRef idx="1">
+            <a:schemeClr val="accent4"/>
+          </a:lnRef>
+          <a:fillRef idx="3">
+            <a:schemeClr val="accent4"/>
+          </a:fillRef>
+          <a:effectRef idx="2">
+            <a:schemeClr val="accent4"/>
+          </a:effectRef>
+          <a:fontRef idx="minor">
+            <a:schemeClr val="lt1"/>
+          </a:fontRef>
+        </p:style>
+        <p:txBody>
+          <a:bodyPr rtlCol="0" anchor="ctr"/>
+          <a:lstStyle/>
+          <a:p>
+            <a:pPr algn="ctr"/>
+            <a:endParaRPr lang="zh-TW" altLang="en-US"/>
+          </a:p>
+        </p:txBody>
+      </p:sp>
+      <p:sp>
+        <p:nvSpPr>
+          <p:cNvPr id="9" name="矩形 8"/>
+          <p:cNvSpPr/>
+          <p:nvPr/>
+        </p:nvSpPr>
+        <p:spPr>
+          <a:xfrm>
+            <a:off x="5385048" y="3004815"/>
+            <a:ext cx="1512168" cy="792088"/>
+          </a:xfrm>
+          <a:prstGeom prst="rect">
+            <a:avLst/>
+          </a:prstGeom>
+          <a:noFill/>
+          <a:ln w="25400">
+            <a:solidFill>
+              <a:srgbClr val="FF0000"/>
+            </a:solidFill>
+          </a:ln>
+        </p:spPr>
+        <p:style>
+          <a:lnRef idx="1">
+            <a:schemeClr val="accent4"/>
+          </a:lnRef>
+          <a:fillRef idx="3">
+            <a:schemeClr val="accent4"/>
+          </a:fillRef>
+          <a:effectRef idx="2">
+            <a:schemeClr val="accent4"/>
+          </a:effectRef>
+          <a:fontRef idx="minor">
+            <a:schemeClr val="lt1"/>
+          </a:fontRef>
+        </p:style>
+        <p:txBody>
+          <a:bodyPr rtlCol="0" anchor="ctr"/>
+          <a:lstStyle/>
+          <a:p>
+            <a:pPr algn="ctr"/>
             <a:endParaRPr lang="zh-TW" altLang="en-US"/>
           </a:p>
         </p:txBody>
@@ -4169,7 +4486,99 @@
 </p:sld>
 </file>
 
-<file path=ppt/slides/slide4.xml><?xml version="1.0" encoding="utf-8"?>
+<file path=ppt/slides/slide5.xml><?xml version="1.0" encoding="utf-8"?>
+<p:sld xmlns:a="http://schemas.openxmlformats.org/drawingml/2006/main" xmlns:r="http://schemas.openxmlformats.org/officeDocument/2006/relationships" xmlns:p="http://schemas.openxmlformats.org/presentationml/2006/main">
+  <p:cSld>
+    <p:spTree>
+      <p:nvGrpSpPr>
+        <p:cNvPr id="1" name=""/>
+        <p:cNvGrpSpPr/>
+        <p:nvPr/>
+      </p:nvGrpSpPr>
+      <p:grpSpPr>
+        <a:xfrm>
+          <a:off x="0" y="0"/>
+          <a:ext cx="0" cy="0"/>
+          <a:chOff x="0" y="0"/>
+          <a:chExt cx="0" cy="0"/>
+        </a:xfrm>
+      </p:grpSpPr>
+      <p:sp>
+        <p:nvSpPr>
+          <p:cNvPr id="7" name="標題 6"/>
+          <p:cNvSpPr>
+            <a:spLocks noGrp="1"/>
+          </p:cNvSpPr>
+          <p:nvPr>
+            <p:ph type="title"/>
+          </p:nvPr>
+        </p:nvSpPr>
+        <p:spPr/>
+        <p:txBody>
+          <a:bodyPr/>
+          <a:lstStyle/>
+          <a:p>
+            <a:endParaRPr lang="zh-TW" altLang="en-US"/>
+          </a:p>
+        </p:txBody>
+      </p:sp>
+      <p:sp>
+        <p:nvSpPr>
+          <p:cNvPr id="3" name="內容版面配置區 2"/>
+          <p:cNvSpPr>
+            <a:spLocks noGrp="1"/>
+          </p:cNvSpPr>
+          <p:nvPr>
+            <p:ph idx="1"/>
+          </p:nvPr>
+        </p:nvSpPr>
+        <p:spPr/>
+        <p:txBody>
+          <a:bodyPr/>
+          <a:lstStyle/>
+          <a:p>
+            <a:endParaRPr lang="zh-TW" altLang="en-US" dirty="0"/>
+          </a:p>
+        </p:txBody>
+      </p:sp>
+      <p:sp>
+        <p:nvSpPr>
+          <p:cNvPr id="4" name="投影片編號版面配置區 3"/>
+          <p:cNvSpPr>
+            <a:spLocks noGrp="1"/>
+          </p:cNvSpPr>
+          <p:nvPr>
+            <p:ph type="sldNum" sz="quarter" idx="4"/>
+          </p:nvPr>
+        </p:nvSpPr>
+        <p:spPr/>
+        <p:txBody>
+          <a:bodyPr/>
+          <a:lstStyle/>
+          <a:p>
+            <a:fld id="{8F4EACC7-37E3-43A5-A5FB-BEB9CE95D266}" type="slidenum">
+              <a:rPr lang="zh-TW" altLang="en-US" smtClean="0"/>
+              <a:pPr/>
+              <a:t>4</a:t>
+            </a:fld>
+            <a:endParaRPr lang="zh-TW" altLang="en-US"/>
+          </a:p>
+        </p:txBody>
+      </p:sp>
+    </p:spTree>
+    <p:extLst>
+      <p:ext uri="{BB962C8B-B14F-4D97-AF65-F5344CB8AC3E}">
+        <p14:creationId xmlns:p14="http://schemas.microsoft.com/office/powerpoint/2010/main" val="1178404266"/>
+      </p:ext>
+    </p:extLst>
+  </p:cSld>
+  <p:clrMapOvr>
+    <a:masterClrMapping/>
+  </p:clrMapOvr>
+</p:sld>
+</file>
+
+<file path=ppt/slides/slide6.xml><?xml version="1.0" encoding="utf-8"?>
 <p:sld xmlns:a="http://schemas.openxmlformats.org/drawingml/2006/main" xmlns:r="http://schemas.openxmlformats.org/officeDocument/2006/relationships" xmlns:p="http://schemas.openxmlformats.org/presentationml/2006/main">
   <p:cSld>
     <p:spTree>
